--- a/Graphs/DFA/DFA Drawing/1.pptx
+++ b/Graphs/DFA/DFA Drawing/1.pptx
@@ -260,7 +260,7 @@
           <a:p>
             <a:fld id="{730B001D-5C24-4F6D-9C38-E108FFB43397}" type="datetimeFigureOut">
               <a:rPr lang="en-US" smtClean="0"/>
-              <a:t>13-May-22</a:t>
+              <a:t>5/13/2022</a:t>
             </a:fld>
             <a:endParaRPr lang="en-US"/>
           </a:p>
@@ -458,7 +458,7 @@
           <a:p>
             <a:fld id="{730B001D-5C24-4F6D-9C38-E108FFB43397}" type="datetimeFigureOut">
               <a:rPr lang="en-US" smtClean="0"/>
-              <a:t>13-May-22</a:t>
+              <a:t>5/13/2022</a:t>
             </a:fld>
             <a:endParaRPr lang="en-US"/>
           </a:p>
@@ -666,7 +666,7 @@
           <a:p>
             <a:fld id="{730B001D-5C24-4F6D-9C38-E108FFB43397}" type="datetimeFigureOut">
               <a:rPr lang="en-US" smtClean="0"/>
-              <a:t>13-May-22</a:t>
+              <a:t>5/13/2022</a:t>
             </a:fld>
             <a:endParaRPr lang="en-US"/>
           </a:p>
@@ -864,7 +864,7 @@
           <a:p>
             <a:fld id="{730B001D-5C24-4F6D-9C38-E108FFB43397}" type="datetimeFigureOut">
               <a:rPr lang="en-US" smtClean="0"/>
-              <a:t>13-May-22</a:t>
+              <a:t>5/13/2022</a:t>
             </a:fld>
             <a:endParaRPr lang="en-US"/>
           </a:p>
@@ -1139,7 +1139,7 @@
           <a:p>
             <a:fld id="{730B001D-5C24-4F6D-9C38-E108FFB43397}" type="datetimeFigureOut">
               <a:rPr lang="en-US" smtClean="0"/>
-              <a:t>13-May-22</a:t>
+              <a:t>5/13/2022</a:t>
             </a:fld>
             <a:endParaRPr lang="en-US"/>
           </a:p>
@@ -1404,7 +1404,7 @@
           <a:p>
             <a:fld id="{730B001D-5C24-4F6D-9C38-E108FFB43397}" type="datetimeFigureOut">
               <a:rPr lang="en-US" smtClean="0"/>
-              <a:t>13-May-22</a:t>
+              <a:t>5/13/2022</a:t>
             </a:fld>
             <a:endParaRPr lang="en-US"/>
           </a:p>
@@ -1816,7 +1816,7 @@
           <a:p>
             <a:fld id="{730B001D-5C24-4F6D-9C38-E108FFB43397}" type="datetimeFigureOut">
               <a:rPr lang="en-US" smtClean="0"/>
-              <a:t>13-May-22</a:t>
+              <a:t>5/13/2022</a:t>
             </a:fld>
             <a:endParaRPr lang="en-US"/>
           </a:p>
@@ -1957,7 +1957,7 @@
           <a:p>
             <a:fld id="{730B001D-5C24-4F6D-9C38-E108FFB43397}" type="datetimeFigureOut">
               <a:rPr lang="en-US" smtClean="0"/>
-              <a:t>13-May-22</a:t>
+              <a:t>5/13/2022</a:t>
             </a:fld>
             <a:endParaRPr lang="en-US"/>
           </a:p>
@@ -2070,7 +2070,7 @@
           <a:p>
             <a:fld id="{730B001D-5C24-4F6D-9C38-E108FFB43397}" type="datetimeFigureOut">
               <a:rPr lang="en-US" smtClean="0"/>
-              <a:t>13-May-22</a:t>
+              <a:t>5/13/2022</a:t>
             </a:fld>
             <a:endParaRPr lang="en-US"/>
           </a:p>
@@ -2381,7 +2381,7 @@
           <a:p>
             <a:fld id="{730B001D-5C24-4F6D-9C38-E108FFB43397}" type="datetimeFigureOut">
               <a:rPr lang="en-US" smtClean="0"/>
-              <a:t>13-May-22</a:t>
+              <a:t>5/13/2022</a:t>
             </a:fld>
             <a:endParaRPr lang="en-US"/>
           </a:p>
@@ -2669,7 +2669,7 @@
           <a:p>
             <a:fld id="{730B001D-5C24-4F6D-9C38-E108FFB43397}" type="datetimeFigureOut">
               <a:rPr lang="en-US" smtClean="0"/>
-              <a:t>13-May-22</a:t>
+              <a:t>5/13/2022</a:t>
             </a:fld>
             <a:endParaRPr lang="en-US"/>
           </a:p>
@@ -2910,7 +2910,7 @@
           <a:p>
             <a:fld id="{730B001D-5C24-4F6D-9C38-E108FFB43397}" type="datetimeFigureOut">
               <a:rPr lang="en-US" smtClean="0"/>
-              <a:t>13-May-22</a:t>
+              <a:t>5/13/2022</a:t>
             </a:fld>
             <a:endParaRPr lang="en-US"/>
           </a:p>
@@ -4113,6 +4113,1368 @@
           </p:sp>
         </p:grpSp>
       </p:grpSp>
+      <p:grpSp>
+        <p:nvGrpSpPr>
+          <p:cNvPr id="23" name="Group 22">
+            <a:extLst>
+              <a:ext uri="{FF2B5EF4-FFF2-40B4-BE49-F238E27FC236}">
+                <a16:creationId xmlns:a16="http://schemas.microsoft.com/office/drawing/2014/main" id="{0058D847-50CB-41E2-8E06-17E33C4A1A1A}"/>
+              </a:ext>
+            </a:extLst>
+          </p:cNvPr>
+          <p:cNvGrpSpPr/>
+          <p:nvPr/>
+        </p:nvGrpSpPr>
+        <p:grpSpPr>
+          <a:xfrm>
+            <a:off x="360548" y="3063240"/>
+            <a:ext cx="1268794" cy="365760"/>
+            <a:chOff x="627917" y="908092"/>
+            <a:chExt cx="1268794" cy="365760"/>
+          </a:xfrm>
+        </p:grpSpPr>
+        <p:sp>
+          <p:nvSpPr>
+            <p:cNvPr id="25" name="TextBox 24">
+              <a:extLst>
+                <a:ext uri="{FF2B5EF4-FFF2-40B4-BE49-F238E27FC236}">
+                  <a16:creationId xmlns:a16="http://schemas.microsoft.com/office/drawing/2014/main" id="{727C0AA3-ECF2-417E-A170-59E4B3B147B8}"/>
+                </a:ext>
+              </a:extLst>
+            </p:cNvPr>
+            <p:cNvSpPr txBox="1"/>
+            <p:nvPr/>
+          </p:nvSpPr>
+          <p:spPr>
+            <a:xfrm>
+              <a:off x="627917" y="952473"/>
+              <a:ext cx="488413" cy="276999"/>
+            </a:xfrm>
+            <a:prstGeom prst="rect">
+              <a:avLst/>
+            </a:prstGeom>
+            <a:noFill/>
+          </p:spPr>
+          <p:txBody>
+            <a:bodyPr wrap="square" rtlCol="0">
+              <a:spAutoFit/>
+            </a:bodyPr>
+            <a:lstStyle/>
+            <a:p>
+              <a:r>
+                <a:rPr lang="en-US" sz="1200" dirty="0"/>
+                <a:t>Start</a:t>
+              </a:r>
+            </a:p>
+          </p:txBody>
+        </p:sp>
+        <p:cxnSp>
+          <p:nvCxnSpPr>
+            <p:cNvPr id="26" name="Straight Arrow Connector 25">
+              <a:extLst>
+                <a:ext uri="{FF2B5EF4-FFF2-40B4-BE49-F238E27FC236}">
+                  <a16:creationId xmlns:a16="http://schemas.microsoft.com/office/drawing/2014/main" id="{10A4F81F-31BC-43D6-B23F-D783214534DC}"/>
+                </a:ext>
+              </a:extLst>
+            </p:cNvPr>
+            <p:cNvCxnSpPr>
+              <a:cxnSpLocks/>
+              <a:stCxn id="25" idx="3"/>
+              <a:endCxn id="27" idx="2"/>
+            </p:cNvCxnSpPr>
+            <p:nvPr/>
+          </p:nvCxnSpPr>
+          <p:spPr>
+            <a:xfrm flipV="1">
+              <a:off x="1116330" y="1090972"/>
+              <a:ext cx="414621" cy="1"/>
+            </a:xfrm>
+            <a:prstGeom prst="straightConnector1">
+              <a:avLst/>
+            </a:prstGeom>
+            <a:ln w="9525">
+              <a:tailEnd type="triangle"/>
+            </a:ln>
+          </p:spPr>
+          <p:style>
+            <a:lnRef idx="1">
+              <a:schemeClr val="dk1"/>
+            </a:lnRef>
+            <a:fillRef idx="0">
+              <a:schemeClr val="dk1"/>
+            </a:fillRef>
+            <a:effectRef idx="0">
+              <a:schemeClr val="dk1"/>
+            </a:effectRef>
+            <a:fontRef idx="minor">
+              <a:schemeClr val="tx1"/>
+            </a:fontRef>
+          </p:style>
+        </p:cxnSp>
+        <p:sp>
+          <p:nvSpPr>
+            <p:cNvPr id="27" name="Oval 26">
+              <a:extLst>
+                <a:ext uri="{FF2B5EF4-FFF2-40B4-BE49-F238E27FC236}">
+                  <a16:creationId xmlns:a16="http://schemas.microsoft.com/office/drawing/2014/main" id="{AACFAD2D-2151-4E76-98F8-EE6FA796E815}"/>
+                </a:ext>
+              </a:extLst>
+            </p:cNvPr>
+            <p:cNvSpPr/>
+            <p:nvPr/>
+          </p:nvSpPr>
+          <p:spPr>
+            <a:xfrm>
+              <a:off x="1530951" y="908092"/>
+              <a:ext cx="365760" cy="365760"/>
+            </a:xfrm>
+            <a:prstGeom prst="ellipse">
+              <a:avLst/>
+            </a:prstGeom>
+            <a:noFill/>
+          </p:spPr>
+          <p:style>
+            <a:lnRef idx="2">
+              <a:schemeClr val="dk1">
+                <a:shade val="50000"/>
+              </a:schemeClr>
+            </a:lnRef>
+            <a:fillRef idx="1">
+              <a:schemeClr val="dk1"/>
+            </a:fillRef>
+            <a:effectRef idx="0">
+              <a:schemeClr val="dk1"/>
+            </a:effectRef>
+            <a:fontRef idx="minor">
+              <a:schemeClr val="lt1"/>
+            </a:fontRef>
+          </p:style>
+          <p:txBody>
+            <a:bodyPr rtlCol="0" anchor="ctr"/>
+            <a:lstStyle/>
+            <a:p>
+              <a:pPr algn="ctr"/>
+              <a:r>
+                <a:rPr lang="en-US" sz="1600" dirty="0">
+                  <a:solidFill>
+                    <a:schemeClr val="tx1"/>
+                  </a:solidFill>
+                </a:rPr>
+                <a:t>1</a:t>
+              </a:r>
+            </a:p>
+          </p:txBody>
+        </p:sp>
+      </p:grpSp>
+      <p:grpSp>
+        <p:nvGrpSpPr>
+          <p:cNvPr id="29" name="Group 28">
+            <a:extLst>
+              <a:ext uri="{FF2B5EF4-FFF2-40B4-BE49-F238E27FC236}">
+                <a16:creationId xmlns:a16="http://schemas.microsoft.com/office/drawing/2014/main" id="{3FD15043-7CA8-4504-A82F-56506EAA0A7C}"/>
+              </a:ext>
+            </a:extLst>
+          </p:cNvPr>
+          <p:cNvGrpSpPr/>
+          <p:nvPr/>
+        </p:nvGrpSpPr>
+        <p:grpSpPr>
+          <a:xfrm>
+            <a:off x="1623240" y="3198168"/>
+            <a:ext cx="533436" cy="230832"/>
+            <a:chOff x="2704902" y="2010614"/>
+            <a:chExt cx="533436" cy="230832"/>
+          </a:xfrm>
+        </p:grpSpPr>
+        <p:cxnSp>
+          <p:nvCxnSpPr>
+            <p:cNvPr id="30" name="Straight Arrow Connector 29">
+              <a:extLst>
+                <a:ext uri="{FF2B5EF4-FFF2-40B4-BE49-F238E27FC236}">
+                  <a16:creationId xmlns:a16="http://schemas.microsoft.com/office/drawing/2014/main" id="{0C9AA9C9-FEA2-45E7-97D9-9DD9D94B0BA3}"/>
+                </a:ext>
+              </a:extLst>
+            </p:cNvPr>
+            <p:cNvCxnSpPr>
+              <a:cxnSpLocks/>
+            </p:cNvCxnSpPr>
+            <p:nvPr/>
+          </p:nvCxnSpPr>
+          <p:spPr>
+            <a:xfrm>
+              <a:off x="2704902" y="2054141"/>
+              <a:ext cx="533436" cy="0"/>
+            </a:xfrm>
+            <a:prstGeom prst="straightConnector1">
+              <a:avLst/>
+            </a:prstGeom>
+            <a:ln w="9525">
+              <a:tailEnd type="triangle"/>
+            </a:ln>
+          </p:spPr>
+          <p:style>
+            <a:lnRef idx="1">
+              <a:schemeClr val="dk1"/>
+            </a:lnRef>
+            <a:fillRef idx="0">
+              <a:schemeClr val="dk1"/>
+            </a:fillRef>
+            <a:effectRef idx="0">
+              <a:schemeClr val="dk1"/>
+            </a:effectRef>
+            <a:fontRef idx="minor">
+              <a:schemeClr val="tx1"/>
+            </a:fontRef>
+          </p:style>
+        </p:cxnSp>
+        <p:sp>
+          <p:nvSpPr>
+            <p:cNvPr id="31" name="TextBox 30">
+              <a:extLst>
+                <a:ext uri="{FF2B5EF4-FFF2-40B4-BE49-F238E27FC236}">
+                  <a16:creationId xmlns:a16="http://schemas.microsoft.com/office/drawing/2014/main" id="{74DC5D2E-C278-45F0-B11D-21B06326A2ED}"/>
+                </a:ext>
+              </a:extLst>
+            </p:cNvPr>
+            <p:cNvSpPr txBox="1"/>
+            <p:nvPr/>
+          </p:nvSpPr>
+          <p:spPr>
+            <a:xfrm>
+              <a:off x="2842733" y="2010614"/>
+              <a:ext cx="150495" cy="230832"/>
+            </a:xfrm>
+            <a:prstGeom prst="rect">
+              <a:avLst/>
+            </a:prstGeom>
+            <a:noFill/>
+          </p:spPr>
+          <p:txBody>
+            <a:bodyPr wrap="square" rtlCol="0">
+              <a:spAutoFit/>
+            </a:bodyPr>
+            <a:lstStyle/>
+            <a:p>
+              <a:r>
+                <a:rPr lang="en-US" sz="900" b="1" dirty="0"/>
+                <a:t>C</a:t>
+              </a:r>
+            </a:p>
+          </p:txBody>
+        </p:sp>
+      </p:grpSp>
+      <p:sp>
+        <p:nvSpPr>
+          <p:cNvPr id="32" name="Oval 31">
+            <a:extLst>
+              <a:ext uri="{FF2B5EF4-FFF2-40B4-BE49-F238E27FC236}">
+                <a16:creationId xmlns:a16="http://schemas.microsoft.com/office/drawing/2014/main" id="{9EB18304-AE7A-4AA8-A9CB-2274CA4DDE9A}"/>
+              </a:ext>
+            </a:extLst>
+          </p:cNvPr>
+          <p:cNvSpPr/>
+          <p:nvPr/>
+        </p:nvSpPr>
+        <p:spPr>
+          <a:xfrm>
+            <a:off x="2157849" y="3075671"/>
+            <a:ext cx="365760" cy="365760"/>
+          </a:xfrm>
+          <a:prstGeom prst="ellipse">
+            <a:avLst/>
+          </a:prstGeom>
+          <a:noFill/>
+        </p:spPr>
+        <p:style>
+          <a:lnRef idx="2">
+            <a:schemeClr val="dk1">
+              <a:shade val="50000"/>
+            </a:schemeClr>
+          </a:lnRef>
+          <a:fillRef idx="1">
+            <a:schemeClr val="dk1"/>
+          </a:fillRef>
+          <a:effectRef idx="0">
+            <a:schemeClr val="dk1"/>
+          </a:effectRef>
+          <a:fontRef idx="minor">
+            <a:schemeClr val="lt1"/>
+          </a:fontRef>
+        </p:style>
+        <p:txBody>
+          <a:bodyPr rtlCol="0" anchor="ctr"/>
+          <a:lstStyle/>
+          <a:p>
+            <a:pPr algn="ctr"/>
+            <a:r>
+              <a:rPr lang="en-US" sz="1600" dirty="0">
+                <a:solidFill>
+                  <a:schemeClr val="tx1"/>
+                </a:solidFill>
+              </a:rPr>
+              <a:t>2</a:t>
+            </a:r>
+          </a:p>
+        </p:txBody>
+      </p:sp>
+      <p:grpSp>
+        <p:nvGrpSpPr>
+          <p:cNvPr id="33" name="Group 32">
+            <a:extLst>
+              <a:ext uri="{FF2B5EF4-FFF2-40B4-BE49-F238E27FC236}">
+                <a16:creationId xmlns:a16="http://schemas.microsoft.com/office/drawing/2014/main" id="{344080C1-2672-47D6-90ED-76A2256732C7}"/>
+              </a:ext>
+            </a:extLst>
+          </p:cNvPr>
+          <p:cNvGrpSpPr/>
+          <p:nvPr/>
+        </p:nvGrpSpPr>
+        <p:grpSpPr>
+          <a:xfrm>
+            <a:off x="2503174" y="3196829"/>
+            <a:ext cx="533436" cy="230832"/>
+            <a:chOff x="2704902" y="2010614"/>
+            <a:chExt cx="533436" cy="230832"/>
+          </a:xfrm>
+        </p:grpSpPr>
+        <p:cxnSp>
+          <p:nvCxnSpPr>
+            <p:cNvPr id="34" name="Straight Arrow Connector 33">
+              <a:extLst>
+                <a:ext uri="{FF2B5EF4-FFF2-40B4-BE49-F238E27FC236}">
+                  <a16:creationId xmlns:a16="http://schemas.microsoft.com/office/drawing/2014/main" id="{D9B3C63C-9ACE-49CB-9163-0310B290DFC5}"/>
+                </a:ext>
+              </a:extLst>
+            </p:cNvPr>
+            <p:cNvCxnSpPr>
+              <a:cxnSpLocks/>
+            </p:cNvCxnSpPr>
+            <p:nvPr/>
+          </p:nvCxnSpPr>
+          <p:spPr>
+            <a:xfrm>
+              <a:off x="2704902" y="2054141"/>
+              <a:ext cx="533436" cy="0"/>
+            </a:xfrm>
+            <a:prstGeom prst="straightConnector1">
+              <a:avLst/>
+            </a:prstGeom>
+            <a:ln w="9525">
+              <a:tailEnd type="triangle"/>
+            </a:ln>
+          </p:spPr>
+          <p:style>
+            <a:lnRef idx="1">
+              <a:schemeClr val="dk1"/>
+            </a:lnRef>
+            <a:fillRef idx="0">
+              <a:schemeClr val="dk1"/>
+            </a:fillRef>
+            <a:effectRef idx="0">
+              <a:schemeClr val="dk1"/>
+            </a:effectRef>
+            <a:fontRef idx="minor">
+              <a:schemeClr val="tx1"/>
+            </a:fontRef>
+          </p:style>
+        </p:cxnSp>
+        <p:sp>
+          <p:nvSpPr>
+            <p:cNvPr id="35" name="TextBox 34">
+              <a:extLst>
+                <a:ext uri="{FF2B5EF4-FFF2-40B4-BE49-F238E27FC236}">
+                  <a16:creationId xmlns:a16="http://schemas.microsoft.com/office/drawing/2014/main" id="{7483DFED-2C7F-469A-8E54-F069DF628228}"/>
+                </a:ext>
+              </a:extLst>
+            </p:cNvPr>
+            <p:cNvSpPr txBox="1"/>
+            <p:nvPr/>
+          </p:nvSpPr>
+          <p:spPr>
+            <a:xfrm>
+              <a:off x="2842733" y="2010614"/>
+              <a:ext cx="150495" cy="230832"/>
+            </a:xfrm>
+            <a:prstGeom prst="rect">
+              <a:avLst/>
+            </a:prstGeom>
+            <a:noFill/>
+          </p:spPr>
+          <p:txBody>
+            <a:bodyPr wrap="square" rtlCol="0">
+              <a:spAutoFit/>
+            </a:bodyPr>
+            <a:lstStyle/>
+            <a:p>
+              <a:r>
+                <a:rPr lang="en-US" sz="900" b="1" dirty="0"/>
+                <a:t>a</a:t>
+              </a:r>
+            </a:p>
+          </p:txBody>
+        </p:sp>
+      </p:grpSp>
+      <p:sp>
+        <p:nvSpPr>
+          <p:cNvPr id="36" name="Oval 35">
+            <a:extLst>
+              <a:ext uri="{FF2B5EF4-FFF2-40B4-BE49-F238E27FC236}">
+                <a16:creationId xmlns:a16="http://schemas.microsoft.com/office/drawing/2014/main" id="{6E19A767-B6B9-4609-991D-92E6B93C6779}"/>
+              </a:ext>
+            </a:extLst>
+          </p:cNvPr>
+          <p:cNvSpPr/>
+          <p:nvPr/>
+        </p:nvSpPr>
+        <p:spPr>
+          <a:xfrm>
+            <a:off x="3037783" y="3074332"/>
+            <a:ext cx="365760" cy="365760"/>
+          </a:xfrm>
+          <a:prstGeom prst="ellipse">
+            <a:avLst/>
+          </a:prstGeom>
+          <a:noFill/>
+        </p:spPr>
+        <p:style>
+          <a:lnRef idx="2">
+            <a:schemeClr val="dk1">
+              <a:shade val="50000"/>
+            </a:schemeClr>
+          </a:lnRef>
+          <a:fillRef idx="1">
+            <a:schemeClr val="dk1"/>
+          </a:fillRef>
+          <a:effectRef idx="0">
+            <a:schemeClr val="dk1"/>
+          </a:effectRef>
+          <a:fontRef idx="minor">
+            <a:schemeClr val="lt1"/>
+          </a:fontRef>
+        </p:style>
+        <p:txBody>
+          <a:bodyPr rtlCol="0" anchor="ctr"/>
+          <a:lstStyle/>
+          <a:p>
+            <a:pPr algn="ctr"/>
+            <a:r>
+              <a:rPr lang="en-US" sz="1600" dirty="0">
+                <a:solidFill>
+                  <a:schemeClr val="tx1"/>
+                </a:solidFill>
+              </a:rPr>
+              <a:t>3</a:t>
+            </a:r>
+          </a:p>
+        </p:txBody>
+      </p:sp>
+      <p:grpSp>
+        <p:nvGrpSpPr>
+          <p:cNvPr id="37" name="Group 36">
+            <a:extLst>
+              <a:ext uri="{FF2B5EF4-FFF2-40B4-BE49-F238E27FC236}">
+                <a16:creationId xmlns:a16="http://schemas.microsoft.com/office/drawing/2014/main" id="{7473A623-32B7-4273-90F3-74688AEBEDBC}"/>
+              </a:ext>
+            </a:extLst>
+          </p:cNvPr>
+          <p:cNvGrpSpPr/>
+          <p:nvPr/>
+        </p:nvGrpSpPr>
+        <p:grpSpPr>
+          <a:xfrm>
+            <a:off x="3383108" y="3179281"/>
+            <a:ext cx="533436" cy="230832"/>
+            <a:chOff x="2704902" y="2010614"/>
+            <a:chExt cx="533436" cy="230832"/>
+          </a:xfrm>
+        </p:grpSpPr>
+        <p:cxnSp>
+          <p:nvCxnSpPr>
+            <p:cNvPr id="38" name="Straight Arrow Connector 37">
+              <a:extLst>
+                <a:ext uri="{FF2B5EF4-FFF2-40B4-BE49-F238E27FC236}">
+                  <a16:creationId xmlns:a16="http://schemas.microsoft.com/office/drawing/2014/main" id="{0C8F04BB-273C-4378-A306-B5516B3C840A}"/>
+                </a:ext>
+              </a:extLst>
+            </p:cNvPr>
+            <p:cNvCxnSpPr>
+              <a:cxnSpLocks/>
+            </p:cNvCxnSpPr>
+            <p:nvPr/>
+          </p:nvCxnSpPr>
+          <p:spPr>
+            <a:xfrm>
+              <a:off x="2704902" y="2054141"/>
+              <a:ext cx="533436" cy="0"/>
+            </a:xfrm>
+            <a:prstGeom prst="straightConnector1">
+              <a:avLst/>
+            </a:prstGeom>
+            <a:ln w="9525">
+              <a:tailEnd type="triangle"/>
+            </a:ln>
+          </p:spPr>
+          <p:style>
+            <a:lnRef idx="1">
+              <a:schemeClr val="dk1"/>
+            </a:lnRef>
+            <a:fillRef idx="0">
+              <a:schemeClr val="dk1"/>
+            </a:fillRef>
+            <a:effectRef idx="0">
+              <a:schemeClr val="dk1"/>
+            </a:effectRef>
+            <a:fontRef idx="minor">
+              <a:schemeClr val="tx1"/>
+            </a:fontRef>
+          </p:style>
+        </p:cxnSp>
+        <p:sp>
+          <p:nvSpPr>
+            <p:cNvPr id="39" name="TextBox 38">
+              <a:extLst>
+                <a:ext uri="{FF2B5EF4-FFF2-40B4-BE49-F238E27FC236}">
+                  <a16:creationId xmlns:a16="http://schemas.microsoft.com/office/drawing/2014/main" id="{9F90D8BF-5C89-4764-9DE8-ED2D4F89737A}"/>
+                </a:ext>
+              </a:extLst>
+            </p:cNvPr>
+            <p:cNvSpPr txBox="1"/>
+            <p:nvPr/>
+          </p:nvSpPr>
+          <p:spPr>
+            <a:xfrm>
+              <a:off x="2842733" y="2010614"/>
+              <a:ext cx="150495" cy="230832"/>
+            </a:xfrm>
+            <a:prstGeom prst="rect">
+              <a:avLst/>
+            </a:prstGeom>
+            <a:noFill/>
+          </p:spPr>
+          <p:txBody>
+            <a:bodyPr wrap="square" rtlCol="0">
+              <a:spAutoFit/>
+            </a:bodyPr>
+            <a:lstStyle/>
+            <a:p>
+              <a:r>
+                <a:rPr lang="en-US" sz="900" b="1" dirty="0"/>
+                <a:t>t</a:t>
+              </a:r>
+            </a:p>
+          </p:txBody>
+        </p:sp>
+      </p:grpSp>
+      <p:sp>
+        <p:nvSpPr>
+          <p:cNvPr id="43" name="Oval 42">
+            <a:extLst>
+              <a:ext uri="{FF2B5EF4-FFF2-40B4-BE49-F238E27FC236}">
+                <a16:creationId xmlns:a16="http://schemas.microsoft.com/office/drawing/2014/main" id="{DFAEBFB8-31D0-467E-BA88-EE630FF245E0}"/>
+              </a:ext>
+            </a:extLst>
+          </p:cNvPr>
+          <p:cNvSpPr/>
+          <p:nvPr/>
+        </p:nvSpPr>
+        <p:spPr>
+          <a:xfrm>
+            <a:off x="3923196" y="3074332"/>
+            <a:ext cx="365760" cy="365760"/>
+          </a:xfrm>
+          <a:prstGeom prst="ellipse">
+            <a:avLst/>
+          </a:prstGeom>
+          <a:noFill/>
+        </p:spPr>
+        <p:style>
+          <a:lnRef idx="2">
+            <a:schemeClr val="dk1">
+              <a:shade val="50000"/>
+            </a:schemeClr>
+          </a:lnRef>
+          <a:fillRef idx="1">
+            <a:schemeClr val="dk1"/>
+          </a:fillRef>
+          <a:effectRef idx="0">
+            <a:schemeClr val="dk1"/>
+          </a:effectRef>
+          <a:fontRef idx="minor">
+            <a:schemeClr val="lt1"/>
+          </a:fontRef>
+        </p:style>
+        <p:txBody>
+          <a:bodyPr rtlCol="0" anchor="ctr"/>
+          <a:lstStyle/>
+          <a:p>
+            <a:pPr algn="ctr"/>
+            <a:r>
+              <a:rPr lang="en-US" sz="1600" dirty="0">
+                <a:solidFill>
+                  <a:schemeClr val="tx1"/>
+                </a:solidFill>
+              </a:rPr>
+              <a:t>4</a:t>
+            </a:r>
+          </a:p>
+        </p:txBody>
+      </p:sp>
+      <p:grpSp>
+        <p:nvGrpSpPr>
+          <p:cNvPr id="44" name="Group 43">
+            <a:extLst>
+              <a:ext uri="{FF2B5EF4-FFF2-40B4-BE49-F238E27FC236}">
+                <a16:creationId xmlns:a16="http://schemas.microsoft.com/office/drawing/2014/main" id="{37111B1D-132C-4904-9344-3C2EABF64958}"/>
+              </a:ext>
+            </a:extLst>
+          </p:cNvPr>
+          <p:cNvGrpSpPr/>
+          <p:nvPr/>
+        </p:nvGrpSpPr>
+        <p:grpSpPr>
+          <a:xfrm>
+            <a:off x="4267786" y="3168305"/>
+            <a:ext cx="533436" cy="230832"/>
+            <a:chOff x="2704902" y="2010614"/>
+            <a:chExt cx="533436" cy="230832"/>
+          </a:xfrm>
+        </p:grpSpPr>
+        <p:cxnSp>
+          <p:nvCxnSpPr>
+            <p:cNvPr id="45" name="Straight Arrow Connector 44">
+              <a:extLst>
+                <a:ext uri="{FF2B5EF4-FFF2-40B4-BE49-F238E27FC236}">
+                  <a16:creationId xmlns:a16="http://schemas.microsoft.com/office/drawing/2014/main" id="{216D99E8-AB6C-45D4-A71B-70DCA38C227E}"/>
+                </a:ext>
+              </a:extLst>
+            </p:cNvPr>
+            <p:cNvCxnSpPr>
+              <a:cxnSpLocks/>
+            </p:cNvCxnSpPr>
+            <p:nvPr/>
+          </p:nvCxnSpPr>
+          <p:spPr>
+            <a:xfrm>
+              <a:off x="2704902" y="2054141"/>
+              <a:ext cx="533436" cy="0"/>
+            </a:xfrm>
+            <a:prstGeom prst="straightConnector1">
+              <a:avLst/>
+            </a:prstGeom>
+            <a:ln w="9525">
+              <a:tailEnd type="triangle"/>
+            </a:ln>
+          </p:spPr>
+          <p:style>
+            <a:lnRef idx="1">
+              <a:schemeClr val="dk1"/>
+            </a:lnRef>
+            <a:fillRef idx="0">
+              <a:schemeClr val="dk1"/>
+            </a:fillRef>
+            <a:effectRef idx="0">
+              <a:schemeClr val="dk1"/>
+            </a:effectRef>
+            <a:fontRef idx="minor">
+              <a:schemeClr val="tx1"/>
+            </a:fontRef>
+          </p:style>
+        </p:cxnSp>
+        <p:sp>
+          <p:nvSpPr>
+            <p:cNvPr id="46" name="TextBox 45">
+              <a:extLst>
+                <a:ext uri="{FF2B5EF4-FFF2-40B4-BE49-F238E27FC236}">
+                  <a16:creationId xmlns:a16="http://schemas.microsoft.com/office/drawing/2014/main" id="{DA0F9A2C-356A-4839-A429-AD8CFAC21CC1}"/>
+                </a:ext>
+              </a:extLst>
+            </p:cNvPr>
+            <p:cNvSpPr txBox="1"/>
+            <p:nvPr/>
+          </p:nvSpPr>
+          <p:spPr>
+            <a:xfrm>
+              <a:off x="2842733" y="2010614"/>
+              <a:ext cx="150495" cy="230832"/>
+            </a:xfrm>
+            <a:prstGeom prst="rect">
+              <a:avLst/>
+            </a:prstGeom>
+            <a:noFill/>
+          </p:spPr>
+          <p:txBody>
+            <a:bodyPr wrap="square" rtlCol="0">
+              <a:spAutoFit/>
+            </a:bodyPr>
+            <a:lstStyle/>
+            <a:p>
+              <a:r>
+                <a:rPr lang="en-US" sz="900" b="1" dirty="0"/>
+                <a:t>e</a:t>
+              </a:r>
+            </a:p>
+          </p:txBody>
+        </p:sp>
+      </p:grpSp>
+      <p:sp>
+        <p:nvSpPr>
+          <p:cNvPr id="47" name="Oval 46">
+            <a:extLst>
+              <a:ext uri="{FF2B5EF4-FFF2-40B4-BE49-F238E27FC236}">
+                <a16:creationId xmlns:a16="http://schemas.microsoft.com/office/drawing/2014/main" id="{150459C4-103E-4853-AE52-EC4289DFD593}"/>
+              </a:ext>
+            </a:extLst>
+          </p:cNvPr>
+          <p:cNvSpPr/>
+          <p:nvPr/>
+        </p:nvSpPr>
+        <p:spPr>
+          <a:xfrm>
+            <a:off x="4807874" y="3080096"/>
+            <a:ext cx="365760" cy="365760"/>
+          </a:xfrm>
+          <a:prstGeom prst="ellipse">
+            <a:avLst/>
+          </a:prstGeom>
+          <a:noFill/>
+        </p:spPr>
+        <p:style>
+          <a:lnRef idx="2">
+            <a:schemeClr val="dk1">
+              <a:shade val="50000"/>
+            </a:schemeClr>
+          </a:lnRef>
+          <a:fillRef idx="1">
+            <a:schemeClr val="dk1"/>
+          </a:fillRef>
+          <a:effectRef idx="0">
+            <a:schemeClr val="dk1"/>
+          </a:effectRef>
+          <a:fontRef idx="minor">
+            <a:schemeClr val="lt1"/>
+          </a:fontRef>
+        </p:style>
+        <p:txBody>
+          <a:bodyPr rtlCol="0" anchor="ctr"/>
+          <a:lstStyle/>
+          <a:p>
+            <a:pPr algn="ctr"/>
+            <a:r>
+              <a:rPr lang="en-US" sz="1600" dirty="0">
+                <a:solidFill>
+                  <a:schemeClr val="tx1"/>
+                </a:solidFill>
+              </a:rPr>
+              <a:t>5</a:t>
+            </a:r>
+          </a:p>
+        </p:txBody>
+      </p:sp>
+      <p:grpSp>
+        <p:nvGrpSpPr>
+          <p:cNvPr id="48" name="Group 47">
+            <a:extLst>
+              <a:ext uri="{FF2B5EF4-FFF2-40B4-BE49-F238E27FC236}">
+                <a16:creationId xmlns:a16="http://schemas.microsoft.com/office/drawing/2014/main" id="{AB5134DD-23BC-49C7-91E3-9AF9E62DAA89}"/>
+              </a:ext>
+            </a:extLst>
+          </p:cNvPr>
+          <p:cNvGrpSpPr/>
+          <p:nvPr/>
+        </p:nvGrpSpPr>
+        <p:grpSpPr>
+          <a:xfrm>
+            <a:off x="5145812" y="3124940"/>
+            <a:ext cx="583772" cy="365760"/>
+            <a:chOff x="2704902" y="2010614"/>
+            <a:chExt cx="533436" cy="230832"/>
+          </a:xfrm>
+        </p:grpSpPr>
+        <p:cxnSp>
+          <p:nvCxnSpPr>
+            <p:cNvPr id="49" name="Straight Arrow Connector 48">
+              <a:extLst>
+                <a:ext uri="{FF2B5EF4-FFF2-40B4-BE49-F238E27FC236}">
+                  <a16:creationId xmlns:a16="http://schemas.microsoft.com/office/drawing/2014/main" id="{E9F2543C-E8EF-4904-844D-6D155B583979}"/>
+                </a:ext>
+              </a:extLst>
+            </p:cNvPr>
+            <p:cNvCxnSpPr>
+              <a:cxnSpLocks/>
+            </p:cNvCxnSpPr>
+            <p:nvPr/>
+          </p:nvCxnSpPr>
+          <p:spPr>
+            <a:xfrm>
+              <a:off x="2704902" y="2054141"/>
+              <a:ext cx="533436" cy="0"/>
+            </a:xfrm>
+            <a:prstGeom prst="straightConnector1">
+              <a:avLst/>
+            </a:prstGeom>
+            <a:ln w="9525">
+              <a:tailEnd type="triangle"/>
+            </a:ln>
+          </p:spPr>
+          <p:style>
+            <a:lnRef idx="1">
+              <a:schemeClr val="dk1"/>
+            </a:lnRef>
+            <a:fillRef idx="0">
+              <a:schemeClr val="dk1"/>
+            </a:fillRef>
+            <a:effectRef idx="0">
+              <a:schemeClr val="dk1"/>
+            </a:effectRef>
+            <a:fontRef idx="minor">
+              <a:schemeClr val="tx1"/>
+            </a:fontRef>
+          </p:style>
+        </p:cxnSp>
+        <p:sp>
+          <p:nvSpPr>
+            <p:cNvPr id="53" name="TextBox 52">
+              <a:extLst>
+                <a:ext uri="{FF2B5EF4-FFF2-40B4-BE49-F238E27FC236}">
+                  <a16:creationId xmlns:a16="http://schemas.microsoft.com/office/drawing/2014/main" id="{E6F2C5A4-FF43-4E4F-8DA6-1C418ED6209B}"/>
+                </a:ext>
+              </a:extLst>
+            </p:cNvPr>
+            <p:cNvSpPr txBox="1"/>
+            <p:nvPr/>
+          </p:nvSpPr>
+          <p:spPr>
+            <a:xfrm>
+              <a:off x="2842733" y="2010614"/>
+              <a:ext cx="150495" cy="230832"/>
+            </a:xfrm>
+            <a:prstGeom prst="rect">
+              <a:avLst/>
+            </a:prstGeom>
+            <a:noFill/>
+          </p:spPr>
+          <p:txBody>
+            <a:bodyPr wrap="square" rtlCol="0">
+              <a:spAutoFit/>
+            </a:bodyPr>
+            <a:lstStyle/>
+            <a:p>
+              <a:r>
+                <a:rPr lang="en-US" sz="900" b="1" dirty="0"/>
+                <a:t>g</a:t>
+              </a:r>
+            </a:p>
+          </p:txBody>
+        </p:sp>
+      </p:grpSp>
+      <p:sp>
+        <p:nvSpPr>
+          <p:cNvPr id="54" name="Oval 53">
+            <a:extLst>
+              <a:ext uri="{FF2B5EF4-FFF2-40B4-BE49-F238E27FC236}">
+                <a16:creationId xmlns:a16="http://schemas.microsoft.com/office/drawing/2014/main" id="{EC0A3713-B069-4DD1-8FB9-A0B36CC6AB55}"/>
+              </a:ext>
+            </a:extLst>
+          </p:cNvPr>
+          <p:cNvSpPr/>
+          <p:nvPr/>
+        </p:nvSpPr>
+        <p:spPr>
+          <a:xfrm>
+            <a:off x="5736236" y="3043236"/>
+            <a:ext cx="365760" cy="365760"/>
+          </a:xfrm>
+          <a:prstGeom prst="ellipse">
+            <a:avLst/>
+          </a:prstGeom>
+          <a:noFill/>
+        </p:spPr>
+        <p:style>
+          <a:lnRef idx="2">
+            <a:schemeClr val="dk1">
+              <a:shade val="50000"/>
+            </a:schemeClr>
+          </a:lnRef>
+          <a:fillRef idx="1">
+            <a:schemeClr val="dk1"/>
+          </a:fillRef>
+          <a:effectRef idx="0">
+            <a:schemeClr val="dk1"/>
+          </a:effectRef>
+          <a:fontRef idx="minor">
+            <a:schemeClr val="lt1"/>
+          </a:fontRef>
+        </p:style>
+        <p:txBody>
+          <a:bodyPr rtlCol="0" anchor="ctr"/>
+          <a:lstStyle/>
+          <a:p>
+            <a:pPr algn="ctr"/>
+            <a:r>
+              <a:rPr lang="en-US" sz="1600" dirty="0">
+                <a:solidFill>
+                  <a:schemeClr val="tx1"/>
+                </a:solidFill>
+              </a:rPr>
+              <a:t>6</a:t>
+            </a:r>
+          </a:p>
+        </p:txBody>
+      </p:sp>
+      <p:grpSp>
+        <p:nvGrpSpPr>
+          <p:cNvPr id="55" name="Group 54">
+            <a:extLst>
+              <a:ext uri="{FF2B5EF4-FFF2-40B4-BE49-F238E27FC236}">
+                <a16:creationId xmlns:a16="http://schemas.microsoft.com/office/drawing/2014/main" id="{9586B4A3-EE66-4346-9449-648130DDD87C}"/>
+              </a:ext>
+            </a:extLst>
+          </p:cNvPr>
+          <p:cNvGrpSpPr/>
+          <p:nvPr/>
+        </p:nvGrpSpPr>
+        <p:grpSpPr>
+          <a:xfrm>
+            <a:off x="6094412" y="3118444"/>
+            <a:ext cx="533436" cy="230832"/>
+            <a:chOff x="2704902" y="2010614"/>
+            <a:chExt cx="533436" cy="230832"/>
+          </a:xfrm>
+        </p:grpSpPr>
+        <p:cxnSp>
+          <p:nvCxnSpPr>
+            <p:cNvPr id="58" name="Straight Arrow Connector 57">
+              <a:extLst>
+                <a:ext uri="{FF2B5EF4-FFF2-40B4-BE49-F238E27FC236}">
+                  <a16:creationId xmlns:a16="http://schemas.microsoft.com/office/drawing/2014/main" id="{920C023E-12C9-48B4-92E2-28766912187A}"/>
+                </a:ext>
+              </a:extLst>
+            </p:cNvPr>
+            <p:cNvCxnSpPr>
+              <a:cxnSpLocks/>
+            </p:cNvCxnSpPr>
+            <p:nvPr/>
+          </p:nvCxnSpPr>
+          <p:spPr>
+            <a:xfrm>
+              <a:off x="2704902" y="2054141"/>
+              <a:ext cx="533436" cy="0"/>
+            </a:xfrm>
+            <a:prstGeom prst="straightConnector1">
+              <a:avLst/>
+            </a:prstGeom>
+            <a:ln w="9525">
+              <a:tailEnd type="triangle"/>
+            </a:ln>
+          </p:spPr>
+          <p:style>
+            <a:lnRef idx="1">
+              <a:schemeClr val="dk1"/>
+            </a:lnRef>
+            <a:fillRef idx="0">
+              <a:schemeClr val="dk1"/>
+            </a:fillRef>
+            <a:effectRef idx="0">
+              <a:schemeClr val="dk1"/>
+            </a:effectRef>
+            <a:fontRef idx="minor">
+              <a:schemeClr val="tx1"/>
+            </a:fontRef>
+          </p:style>
+        </p:cxnSp>
+        <p:sp>
+          <p:nvSpPr>
+            <p:cNvPr id="65" name="TextBox 64">
+              <a:extLst>
+                <a:ext uri="{FF2B5EF4-FFF2-40B4-BE49-F238E27FC236}">
+                  <a16:creationId xmlns:a16="http://schemas.microsoft.com/office/drawing/2014/main" id="{16CCEB40-EB06-4C44-A59A-236E98A98A72}"/>
+                </a:ext>
+              </a:extLst>
+            </p:cNvPr>
+            <p:cNvSpPr txBox="1"/>
+            <p:nvPr/>
+          </p:nvSpPr>
+          <p:spPr>
+            <a:xfrm>
+              <a:off x="2842733" y="2010614"/>
+              <a:ext cx="150495" cy="230832"/>
+            </a:xfrm>
+            <a:prstGeom prst="rect">
+              <a:avLst/>
+            </a:prstGeom>
+            <a:noFill/>
+          </p:spPr>
+          <p:txBody>
+            <a:bodyPr wrap="square" rtlCol="0">
+              <a:spAutoFit/>
+            </a:bodyPr>
+            <a:lstStyle/>
+            <a:p>
+              <a:r>
+                <a:rPr lang="en-US" sz="900" b="1" dirty="0"/>
+                <a:t>o</a:t>
+              </a:r>
+            </a:p>
+          </p:txBody>
+        </p:sp>
+      </p:grpSp>
+      <p:sp>
+        <p:nvSpPr>
+          <p:cNvPr id="66" name="Oval 65">
+            <a:extLst>
+              <a:ext uri="{FF2B5EF4-FFF2-40B4-BE49-F238E27FC236}">
+                <a16:creationId xmlns:a16="http://schemas.microsoft.com/office/drawing/2014/main" id="{EA3BC3FC-4893-46CB-9143-B82B1FE9B37D}"/>
+              </a:ext>
+            </a:extLst>
+          </p:cNvPr>
+          <p:cNvSpPr/>
+          <p:nvPr/>
+        </p:nvSpPr>
+        <p:spPr>
+          <a:xfrm>
+            <a:off x="6634500" y="3012140"/>
+            <a:ext cx="365760" cy="365760"/>
+          </a:xfrm>
+          <a:prstGeom prst="ellipse">
+            <a:avLst/>
+          </a:prstGeom>
+          <a:noFill/>
+        </p:spPr>
+        <p:style>
+          <a:lnRef idx="2">
+            <a:schemeClr val="dk1">
+              <a:shade val="50000"/>
+            </a:schemeClr>
+          </a:lnRef>
+          <a:fillRef idx="1">
+            <a:schemeClr val="dk1"/>
+          </a:fillRef>
+          <a:effectRef idx="0">
+            <a:schemeClr val="dk1"/>
+          </a:effectRef>
+          <a:fontRef idx="minor">
+            <a:schemeClr val="lt1"/>
+          </a:fontRef>
+        </p:style>
+        <p:txBody>
+          <a:bodyPr rtlCol="0" anchor="ctr"/>
+          <a:lstStyle/>
+          <a:p>
+            <a:pPr algn="ctr"/>
+            <a:r>
+              <a:rPr lang="en-US" sz="1600" dirty="0">
+                <a:solidFill>
+                  <a:schemeClr val="tx1"/>
+                </a:solidFill>
+              </a:rPr>
+              <a:t>7</a:t>
+            </a:r>
+          </a:p>
+        </p:txBody>
+      </p:sp>
+      <p:grpSp>
+        <p:nvGrpSpPr>
+          <p:cNvPr id="67" name="Group 66">
+            <a:extLst>
+              <a:ext uri="{FF2B5EF4-FFF2-40B4-BE49-F238E27FC236}">
+                <a16:creationId xmlns:a16="http://schemas.microsoft.com/office/drawing/2014/main" id="{9D125541-FE97-4543-84D5-B76168D10E07}"/>
+              </a:ext>
+            </a:extLst>
+          </p:cNvPr>
+          <p:cNvGrpSpPr/>
+          <p:nvPr/>
+        </p:nvGrpSpPr>
+        <p:grpSpPr>
+          <a:xfrm>
+            <a:off x="6990525" y="3101857"/>
+            <a:ext cx="533436" cy="230832"/>
+            <a:chOff x="2704902" y="2010614"/>
+            <a:chExt cx="533436" cy="230832"/>
+          </a:xfrm>
+        </p:grpSpPr>
+        <p:cxnSp>
+          <p:nvCxnSpPr>
+            <p:cNvPr id="68" name="Straight Arrow Connector 67">
+              <a:extLst>
+                <a:ext uri="{FF2B5EF4-FFF2-40B4-BE49-F238E27FC236}">
+                  <a16:creationId xmlns:a16="http://schemas.microsoft.com/office/drawing/2014/main" id="{983EB9D7-AC4E-4C02-8CE9-0D1F2B7A86B7}"/>
+                </a:ext>
+              </a:extLst>
+            </p:cNvPr>
+            <p:cNvCxnSpPr>
+              <a:cxnSpLocks/>
+            </p:cNvCxnSpPr>
+            <p:nvPr/>
+          </p:nvCxnSpPr>
+          <p:spPr>
+            <a:xfrm>
+              <a:off x="2704902" y="2054141"/>
+              <a:ext cx="533436" cy="0"/>
+            </a:xfrm>
+            <a:prstGeom prst="straightConnector1">
+              <a:avLst/>
+            </a:prstGeom>
+            <a:ln w="9525">
+              <a:tailEnd type="triangle"/>
+            </a:ln>
+          </p:spPr>
+          <p:style>
+            <a:lnRef idx="1">
+              <a:schemeClr val="dk1"/>
+            </a:lnRef>
+            <a:fillRef idx="0">
+              <a:schemeClr val="dk1"/>
+            </a:fillRef>
+            <a:effectRef idx="0">
+              <a:schemeClr val="dk1"/>
+            </a:effectRef>
+            <a:fontRef idx="minor">
+              <a:schemeClr val="tx1"/>
+            </a:fontRef>
+          </p:style>
+        </p:cxnSp>
+        <p:sp>
+          <p:nvSpPr>
+            <p:cNvPr id="69" name="TextBox 68">
+              <a:extLst>
+                <a:ext uri="{FF2B5EF4-FFF2-40B4-BE49-F238E27FC236}">
+                  <a16:creationId xmlns:a16="http://schemas.microsoft.com/office/drawing/2014/main" id="{D6AC98E9-F6A8-431E-ACEA-9D96E6DEE8B3}"/>
+                </a:ext>
+              </a:extLst>
+            </p:cNvPr>
+            <p:cNvSpPr txBox="1"/>
+            <p:nvPr/>
+          </p:nvSpPr>
+          <p:spPr>
+            <a:xfrm>
+              <a:off x="2842733" y="2010614"/>
+              <a:ext cx="150495" cy="230832"/>
+            </a:xfrm>
+            <a:prstGeom prst="rect">
+              <a:avLst/>
+            </a:prstGeom>
+            <a:noFill/>
+          </p:spPr>
+          <p:txBody>
+            <a:bodyPr wrap="square" rtlCol="0">
+              <a:spAutoFit/>
+            </a:bodyPr>
+            <a:lstStyle/>
+            <a:p>
+              <a:r>
+                <a:rPr lang="en-US" sz="900" b="1" dirty="0"/>
+                <a:t>r</a:t>
+              </a:r>
+            </a:p>
+          </p:txBody>
+        </p:sp>
+      </p:grpSp>
+      <p:sp>
+        <p:nvSpPr>
+          <p:cNvPr id="70" name="Oval 69">
+            <a:extLst>
+              <a:ext uri="{FF2B5EF4-FFF2-40B4-BE49-F238E27FC236}">
+                <a16:creationId xmlns:a16="http://schemas.microsoft.com/office/drawing/2014/main" id="{6AD06A62-B20E-43A9-B0CC-1086C2C191A9}"/>
+              </a:ext>
+            </a:extLst>
+          </p:cNvPr>
+          <p:cNvSpPr/>
+          <p:nvPr/>
+        </p:nvSpPr>
+        <p:spPr>
+          <a:xfrm>
+            <a:off x="7530613" y="3002281"/>
+            <a:ext cx="365760" cy="365760"/>
+          </a:xfrm>
+          <a:prstGeom prst="ellipse">
+            <a:avLst/>
+          </a:prstGeom>
+          <a:noFill/>
+        </p:spPr>
+        <p:style>
+          <a:lnRef idx="2">
+            <a:schemeClr val="dk1">
+              <a:shade val="50000"/>
+            </a:schemeClr>
+          </a:lnRef>
+          <a:fillRef idx="1">
+            <a:schemeClr val="dk1"/>
+          </a:fillRef>
+          <a:effectRef idx="0">
+            <a:schemeClr val="dk1"/>
+          </a:effectRef>
+          <a:fontRef idx="minor">
+            <a:schemeClr val="lt1"/>
+          </a:fontRef>
+        </p:style>
+        <p:txBody>
+          <a:bodyPr rtlCol="0" anchor="ctr"/>
+          <a:lstStyle/>
+          <a:p>
+            <a:pPr algn="ctr"/>
+            <a:r>
+              <a:rPr lang="en-US" sz="1600" dirty="0">
+                <a:solidFill>
+                  <a:schemeClr val="tx1"/>
+                </a:solidFill>
+              </a:rPr>
+              <a:t>8</a:t>
+            </a:r>
+          </a:p>
+        </p:txBody>
+      </p:sp>
+      <p:grpSp>
+        <p:nvGrpSpPr>
+          <p:cNvPr id="71" name="Group 70">
+            <a:extLst>
+              <a:ext uri="{FF2B5EF4-FFF2-40B4-BE49-F238E27FC236}">
+                <a16:creationId xmlns:a16="http://schemas.microsoft.com/office/drawing/2014/main" id="{5C4D8FD1-675D-4EEF-9342-1A49FB8F78BA}"/>
+              </a:ext>
+            </a:extLst>
+          </p:cNvPr>
+          <p:cNvGrpSpPr/>
+          <p:nvPr/>
+        </p:nvGrpSpPr>
+        <p:grpSpPr>
+          <a:xfrm>
+            <a:off x="7903025" y="3124940"/>
+            <a:ext cx="533436" cy="230832"/>
+            <a:chOff x="2704902" y="2010614"/>
+            <a:chExt cx="533436" cy="230832"/>
+          </a:xfrm>
+        </p:grpSpPr>
+        <p:cxnSp>
+          <p:nvCxnSpPr>
+            <p:cNvPr id="72" name="Straight Arrow Connector 71">
+              <a:extLst>
+                <a:ext uri="{FF2B5EF4-FFF2-40B4-BE49-F238E27FC236}">
+                  <a16:creationId xmlns:a16="http://schemas.microsoft.com/office/drawing/2014/main" id="{FF3BDBB0-F47D-462A-82E6-4936448ADD32}"/>
+                </a:ext>
+              </a:extLst>
+            </p:cNvPr>
+            <p:cNvCxnSpPr>
+              <a:cxnSpLocks/>
+            </p:cNvCxnSpPr>
+            <p:nvPr/>
+          </p:nvCxnSpPr>
+          <p:spPr>
+            <a:xfrm>
+              <a:off x="2704902" y="2054141"/>
+              <a:ext cx="533436" cy="0"/>
+            </a:xfrm>
+            <a:prstGeom prst="straightConnector1">
+              <a:avLst/>
+            </a:prstGeom>
+            <a:ln w="9525">
+              <a:tailEnd type="triangle"/>
+            </a:ln>
+          </p:spPr>
+          <p:style>
+            <a:lnRef idx="1">
+              <a:schemeClr val="dk1"/>
+            </a:lnRef>
+            <a:fillRef idx="0">
+              <a:schemeClr val="dk1"/>
+            </a:fillRef>
+            <a:effectRef idx="0">
+              <a:schemeClr val="dk1"/>
+            </a:effectRef>
+            <a:fontRef idx="minor">
+              <a:schemeClr val="tx1"/>
+            </a:fontRef>
+          </p:style>
+        </p:cxnSp>
+        <p:sp>
+          <p:nvSpPr>
+            <p:cNvPr id="73" name="TextBox 72">
+              <a:extLst>
+                <a:ext uri="{FF2B5EF4-FFF2-40B4-BE49-F238E27FC236}">
+                  <a16:creationId xmlns:a16="http://schemas.microsoft.com/office/drawing/2014/main" id="{92465483-254A-4D64-BA66-AB191D4E2EAC}"/>
+                </a:ext>
+              </a:extLst>
+            </p:cNvPr>
+            <p:cNvSpPr txBox="1"/>
+            <p:nvPr/>
+          </p:nvSpPr>
+          <p:spPr>
+            <a:xfrm>
+              <a:off x="2842733" y="2010614"/>
+              <a:ext cx="150495" cy="230832"/>
+            </a:xfrm>
+            <a:prstGeom prst="rect">
+              <a:avLst/>
+            </a:prstGeom>
+            <a:noFill/>
+          </p:spPr>
+          <p:txBody>
+            <a:bodyPr wrap="square" rtlCol="0">
+              <a:spAutoFit/>
+            </a:bodyPr>
+            <a:lstStyle/>
+            <a:p>
+              <a:r>
+                <a:rPr lang="en-US" sz="900" b="1" dirty="0"/>
+                <a:t>y</a:t>
+              </a:r>
+            </a:p>
+          </p:txBody>
+        </p:sp>
+      </p:grpSp>
+      <p:sp>
+        <p:nvSpPr>
+          <p:cNvPr id="74" name="Oval 73">
+            <a:extLst>
+              <a:ext uri="{FF2B5EF4-FFF2-40B4-BE49-F238E27FC236}">
+                <a16:creationId xmlns:a16="http://schemas.microsoft.com/office/drawing/2014/main" id="{0BC2CBFF-AF26-46FA-AC2B-7678E26B347E}"/>
+              </a:ext>
+            </a:extLst>
+          </p:cNvPr>
+          <p:cNvSpPr/>
+          <p:nvPr/>
+        </p:nvSpPr>
+        <p:spPr>
+          <a:xfrm>
+            <a:off x="8443113" y="3012140"/>
+            <a:ext cx="365760" cy="365760"/>
+          </a:xfrm>
+          <a:prstGeom prst="ellipse">
+            <a:avLst/>
+          </a:prstGeom>
+          <a:noFill/>
+          <a:ln w="34925" cmpd="dbl"/>
+        </p:spPr>
+        <p:style>
+          <a:lnRef idx="2">
+            <a:schemeClr val="dk1">
+              <a:shade val="50000"/>
+            </a:schemeClr>
+          </a:lnRef>
+          <a:fillRef idx="1">
+            <a:schemeClr val="dk1"/>
+          </a:fillRef>
+          <a:effectRef idx="0">
+            <a:schemeClr val="dk1"/>
+          </a:effectRef>
+          <a:fontRef idx="minor">
+            <a:schemeClr val="lt1"/>
+          </a:fontRef>
+        </p:style>
+        <p:txBody>
+          <a:bodyPr rtlCol="0" anchor="ctr"/>
+          <a:lstStyle/>
+          <a:p>
+            <a:pPr algn="ctr"/>
+            <a:r>
+              <a:rPr lang="en-US" sz="1600" dirty="0">
+                <a:solidFill>
+                  <a:schemeClr val="tx1"/>
+                </a:solidFill>
+              </a:rPr>
+              <a:t>9</a:t>
+            </a:r>
+          </a:p>
+        </p:txBody>
+      </p:sp>
     </p:spTree>
     <p:extLst>
       <p:ext uri="{BB962C8B-B14F-4D97-AF65-F5344CB8AC3E}">
